--- a/docs/Presentation/Project Analysis Presentation.pptx
+++ b/docs/Presentation/Project Analysis Presentation.pptx
@@ -229,7 +229,7 @@
           <a:p>
             <a:fld id="{10D858C0-A1C8-416E-AEEE-7668E8E54166}" type="datetimeFigureOut">
               <a:rPr lang="en-US" smtClean="0"/>
-              <a:t>11/21/2020</a:t>
+              <a:t>11/23/2020</a:t>
             </a:fld>
             <a:endParaRPr lang="en-US"/>
           </a:p>
@@ -806,7 +806,7 @@
           <a:p>
             <a:fld id="{6CBBDB16-D3F8-4765-9107-3D5BDEEA5700}" type="datetimeFigureOut">
               <a:rPr lang="en-US" smtClean="0"/>
-              <a:t>11/21/2020</a:t>
+              <a:t>11/23/2020</a:t>
             </a:fld>
             <a:endParaRPr lang="en-US"/>
           </a:p>
@@ -1141,7 +1141,7 @@
           <a:p>
             <a:fld id="{6CBBDB16-D3F8-4765-9107-3D5BDEEA5700}" type="datetimeFigureOut">
               <a:rPr lang="en-US" smtClean="0"/>
-              <a:t>11/21/2020</a:t>
+              <a:t>11/23/2020</a:t>
             </a:fld>
             <a:endParaRPr lang="en-US"/>
           </a:p>
@@ -1444,7 +1444,7 @@
           <a:p>
             <a:fld id="{6CBBDB16-D3F8-4765-9107-3D5BDEEA5700}" type="datetimeFigureOut">
               <a:rPr lang="en-US" smtClean="0"/>
-              <a:t>11/21/2020</a:t>
+              <a:t>11/23/2020</a:t>
             </a:fld>
             <a:endParaRPr lang="en-US"/>
           </a:p>
@@ -1692,7 +1692,7 @@
           <a:p>
             <a:fld id="{6CBBDB16-D3F8-4765-9107-3D5BDEEA5700}" type="datetimeFigureOut">
               <a:rPr lang="en-US" smtClean="0"/>
-              <a:t>11/21/2020</a:t>
+              <a:t>11/23/2020</a:t>
             </a:fld>
             <a:endParaRPr lang="en-US"/>
           </a:p>
@@ -2100,7 +2100,7 @@
           <a:p>
             <a:fld id="{6CBBDB16-D3F8-4765-9107-3D5BDEEA5700}" type="datetimeFigureOut">
               <a:rPr lang="en-US" smtClean="0"/>
-              <a:t>11/21/2020</a:t>
+              <a:t>11/23/2020</a:t>
             </a:fld>
             <a:endParaRPr lang="en-US"/>
           </a:p>
@@ -2415,7 +2415,7 @@
           <a:p>
             <a:fld id="{6CBBDB16-D3F8-4765-9107-3D5BDEEA5700}" type="datetimeFigureOut">
               <a:rPr lang="en-US" smtClean="0"/>
-              <a:t>11/21/2020</a:t>
+              <a:t>11/23/2020</a:t>
             </a:fld>
             <a:endParaRPr lang="en-US"/>
           </a:p>
@@ -2960,7 +2960,7 @@
           <a:p>
             <a:fld id="{6CBBDB16-D3F8-4765-9107-3D5BDEEA5700}" type="datetimeFigureOut">
               <a:rPr lang="en-US" smtClean="0"/>
-              <a:t>11/21/2020</a:t>
+              <a:t>11/23/2020</a:t>
             </a:fld>
             <a:endParaRPr lang="en-US"/>
           </a:p>
@@ -3156,7 +3156,7 @@
           <a:p>
             <a:fld id="{6CBBDB16-D3F8-4765-9107-3D5BDEEA5700}" type="datetimeFigureOut">
               <a:rPr lang="en-US" smtClean="0"/>
-              <a:t>11/21/2020</a:t>
+              <a:t>11/23/2020</a:t>
             </a:fld>
             <a:endParaRPr lang="en-US"/>
           </a:p>
@@ -3370,7 +3370,7 @@
           <a:p>
             <a:fld id="{6CBBDB16-D3F8-4765-9107-3D5BDEEA5700}" type="datetimeFigureOut">
               <a:rPr lang="en-US" smtClean="0"/>
-              <a:t>11/21/2020</a:t>
+              <a:t>11/23/2020</a:t>
             </a:fld>
             <a:endParaRPr lang="en-US"/>
           </a:p>
@@ -3740,7 +3740,7 @@
           <a:p>
             <a:fld id="{6CBBDB16-D3F8-4765-9107-3D5BDEEA5700}" type="datetimeFigureOut">
               <a:rPr lang="en-US" smtClean="0"/>
-              <a:t>11/21/2020</a:t>
+              <a:t>11/23/2020</a:t>
             </a:fld>
             <a:endParaRPr lang="en-US"/>
           </a:p>
@@ -4144,7 +4144,7 @@
           <a:p>
             <a:fld id="{6CBBDB16-D3F8-4765-9107-3D5BDEEA5700}" type="datetimeFigureOut">
               <a:rPr lang="en-US" smtClean="0"/>
-              <a:t>11/21/2020</a:t>
+              <a:t>11/23/2020</a:t>
             </a:fld>
             <a:endParaRPr lang="en-US"/>
           </a:p>
@@ -4456,7 +4456,7 @@
           <a:p>
             <a:fld id="{6CBBDB16-D3F8-4765-9107-3D5BDEEA5700}" type="datetimeFigureOut">
               <a:rPr lang="en-US" smtClean="0"/>
-              <a:t>11/21/2020</a:t>
+              <a:t>11/23/2020</a:t>
             </a:fld>
             <a:endParaRPr lang="en-US"/>
           </a:p>
@@ -7825,7 +7825,7 @@
           <a:graphicData uri="http://schemas.openxmlformats.org/presentationml/2006/ole">
             <mc:AlternateContent xmlns:mc="http://schemas.openxmlformats.org/markup-compatibility/2006">
               <mc:Choice xmlns:v="urn:schemas-microsoft-com:vml" Requires="v">
-                <p:oleObj spid="_x0000_s1044" name="Acrobat Document" r:id="rId3" imgW="5829257" imgH="7543800" progId="AcroExch.Document.DC">
+                <p:oleObj spid="_x0000_s1045" name="Acrobat Document" r:id="rId3" imgW="5829257" imgH="7543800" progId="AcroExch.Document.DC">
                   <p:embed/>
                 </p:oleObj>
               </mc:Choice>
@@ -8339,13 +8339,21 @@
           <a:p>
             <a:r>
               <a:rPr lang="en-US" dirty="0"/>
-              <a:t>What was the affect of Covid-19 on low-income communities vs. the rest of the targeted population?</a:t>
+              <a:t>What was the effect of Covid-19 on low-income communities vs. the rest of the targeted population?</a:t>
             </a:r>
           </a:p>
           <a:p>
             <a:r>
               <a:rPr lang="en-US" dirty="0"/>
-              <a:t>Was there any affect on unemployment claims during the Covid-19 Pandemic? </a:t>
+              <a:t>Was there </a:t>
+            </a:r>
+            <a:r>
+              <a:rPr lang="en-US"/>
+              <a:t>any effect </a:t>
+            </a:r>
+            <a:r>
+              <a:rPr lang="en-US" dirty="0"/>
+              <a:t>on unemployment claims during the Covid-19 Pandemic? </a:t>
             </a:r>
           </a:p>
           <a:p>
